--- a/dunia ilkom/fungsi/3 Fungsi rekursif kelas terbuka.pptx
+++ b/dunia ilkom/fungsi/3 Fungsi rekursif kelas terbuka.pptx
@@ -6,8 +6,9 @@
   </p:sldMasterIdLst>
   <p:sldIdLst>
     <p:sldId id="256" r:id="rId2"/>
-    <p:sldId id="257" r:id="rId3"/>
-    <p:sldId id="258" r:id="rId4"/>
+    <p:sldId id="259" r:id="rId3"/>
+    <p:sldId id="257" r:id="rId4"/>
+    <p:sldId id="258" r:id="rId5"/>
   </p:sldIdLst>
   <p:sldSz cx="12192000" cy="6858000"/>
   <p:notesSz cx="6858000" cy="9144000"/>
@@ -269,7 +270,7 @@
           <a:p>
             <a:fld id="{CA430C0A-5464-4FE4-84EB-FF9C94016DF4}" type="datetimeFigureOut">
               <a:rPr lang="en-US" dirty="0"/>
-              <a:t>5/29/2021</a:t>
+              <a:t>5/31/2021</a:t>
             </a:fld>
             <a:endParaRPr lang="en-US" dirty="0"/>
           </a:p>
@@ -435,7 +436,7 @@
           <a:p>
             <a:fld id="{E9F9C37B-1D36-470B-8223-D6C91242EC14}" type="datetimeFigureOut">
               <a:rPr lang="en-US" dirty="0"/>
-              <a:t>5/29/2021</a:t>
+              <a:t>5/31/2021</a:t>
             </a:fld>
             <a:endParaRPr lang="en-US" dirty="0"/>
           </a:p>
@@ -610,7 +611,7 @@
           <a:p>
             <a:fld id="{67C6F52A-A82B-47A2-A83A-8C4C91F2D59F}" type="datetimeFigureOut">
               <a:rPr lang="en-US" dirty="0"/>
-              <a:t>5/29/2021</a:t>
+              <a:t>5/31/2021</a:t>
             </a:fld>
             <a:endParaRPr lang="en-US" dirty="0"/>
           </a:p>
@@ -775,7 +776,7 @@
           <a:p>
             <a:fld id="{F070A7B3-6521-4DCA-87E5-044747A908C1}" type="datetimeFigureOut">
               <a:rPr lang="en-US" dirty="0"/>
-              <a:t>5/29/2021</a:t>
+              <a:t>5/31/2021</a:t>
             </a:fld>
             <a:endParaRPr lang="en-US" dirty="0"/>
           </a:p>
@@ -1031,7 +1032,7 @@
           <a:p>
             <a:fld id="{360C6404-AD6E-4860-8E75-697CA40B95DA}" type="datetimeFigureOut">
               <a:rPr lang="en-US" dirty="0"/>
-              <a:t>5/29/2021</a:t>
+              <a:t>5/31/2021</a:t>
             </a:fld>
             <a:endParaRPr lang="en-US" dirty="0"/>
           </a:p>
@@ -1259,7 +1260,7 @@
           <a:p>
             <a:fld id="{AB134690-1557-4C89-A502-4959FE7FAD70}" type="datetimeFigureOut">
               <a:rPr lang="en-US" dirty="0"/>
-              <a:t>5/29/2021</a:t>
+              <a:t>5/31/2021</a:t>
             </a:fld>
             <a:endParaRPr lang="en-US" dirty="0"/>
           </a:p>
@@ -1609,7 +1610,7 @@
           <a:p>
             <a:fld id="{4F7D4976-E339-4826-83B7-FBD03F55ECF8}" type="datetimeFigureOut">
               <a:rPr lang="en-US" dirty="0"/>
-              <a:t>5/29/2021</a:t>
+              <a:t>5/31/2021</a:t>
             </a:fld>
             <a:endParaRPr lang="en-US" dirty="0"/>
           </a:p>
@@ -1745,7 +1746,7 @@
           <a:p>
             <a:fld id="{E1037C31-9E7A-4F99-8774-A0E530DE1A42}" type="datetimeFigureOut">
               <a:rPr lang="en-US" dirty="0"/>
-              <a:t>5/29/2021</a:t>
+              <a:t>5/31/2021</a:t>
             </a:fld>
             <a:endParaRPr lang="en-US" dirty="0"/>
           </a:p>
@@ -1835,7 +1836,7 @@
           <a:p>
             <a:fld id="{C278504F-A551-4DE0-9316-4DCD1D8CC752}" type="datetimeFigureOut">
               <a:rPr lang="en-US" dirty="0"/>
-              <a:t>5/29/2021</a:t>
+              <a:t>5/31/2021</a:t>
             </a:fld>
             <a:endParaRPr lang="en-US" dirty="0"/>
           </a:p>
@@ -2187,7 +2188,7 @@
           <a:p>
             <a:fld id="{D1BE4249-C0D0-4B06-8692-E8BB871AF643}" type="datetimeFigureOut">
               <a:rPr lang="en-US" dirty="0"/>
-              <a:t>5/29/2021</a:t>
+              <a:t>5/31/2021</a:t>
             </a:fld>
             <a:endParaRPr lang="en-US" dirty="0"/>
           </a:p>
@@ -2500,7 +2501,7 @@
           <a:p>
             <a:fld id="{042B0DB6-F5C7-45FB-8CF3-31B45F9C2DAC}" type="datetimeFigureOut">
               <a:rPr lang="en-US" dirty="0"/>
-              <a:t>5/29/2021</a:t>
+              <a:t>5/31/2021</a:t>
             </a:fld>
             <a:endParaRPr lang="en-US" dirty="0"/>
           </a:p>
@@ -2740,7 +2741,7 @@
           <a:p>
             <a:fld id="{1160EA64-D806-43AC-9DF2-F8C432F32B4C}" type="datetimeFigureOut">
               <a:rPr lang="en-US" dirty="0"/>
-              <a:t>5/29/2021</a:t>
+              <a:t>5/31/2021</a:t>
             </a:fld>
             <a:endParaRPr lang="en-US" dirty="0"/>
           </a:p>
@@ -3306,6 +3307,1038 @@
           <p:cNvPr id="2" name="Title 1">
             <a:extLst>
               <a:ext uri="{FF2B5EF4-FFF2-40B4-BE49-F238E27FC236}">
+                <a16:creationId xmlns:a16="http://schemas.microsoft.com/office/drawing/2014/main" id="{0D7B3B5F-2DDD-4456-9951-F8843AA97186}"/>
+              </a:ext>
+            </a:extLst>
+          </p:cNvPr>
+          <p:cNvSpPr>
+            <a:spLocks noGrp="1"/>
+          </p:cNvSpPr>
+          <p:nvPr>
+            <p:ph type="title"/>
+          </p:nvPr>
+        </p:nvSpPr>
+        <p:spPr/>
+        <p:txBody>
+          <a:bodyPr/>
+          <a:lstStyle/>
+          <a:p>
+            <a:r>
+              <a:rPr lang="en-US" dirty="0" err="1"/>
+              <a:t>REKURSI</a:t>
+            </a:r>
+            <a:r>
+              <a:rPr lang="en-US" dirty="0"/>
+              <a:t> DAN </a:t>
+            </a:r>
+            <a:r>
+              <a:rPr lang="en-US" dirty="0" err="1"/>
+              <a:t>ITERASI</a:t>
+            </a:r>
+            <a:endParaRPr lang="en-US" dirty="0"/>
+          </a:p>
+        </p:txBody>
+      </p:sp>
+      <p:sp>
+        <p:nvSpPr>
+          <p:cNvPr id="3" name="Content Placeholder 2">
+            <a:extLst>
+              <a:ext uri="{FF2B5EF4-FFF2-40B4-BE49-F238E27FC236}">
+                <a16:creationId xmlns:a16="http://schemas.microsoft.com/office/drawing/2014/main" id="{D64ADF4B-BB24-4224-B9CE-E268A0E5F214}"/>
+              </a:ext>
+            </a:extLst>
+          </p:cNvPr>
+          <p:cNvSpPr>
+            <a:spLocks noGrp="1"/>
+          </p:cNvSpPr>
+          <p:nvPr>
+            <p:ph idx="1"/>
+          </p:nvPr>
+        </p:nvSpPr>
+        <p:spPr/>
+        <p:txBody>
+          <a:bodyPr/>
+          <a:lstStyle/>
+          <a:p>
+            <a:r>
+              <a:rPr lang="en-US" b="0" i="0" dirty="0" err="1">
+                <a:solidFill>
+                  <a:srgbClr val="333333"/>
+                </a:solidFill>
+                <a:effectLst/>
+                <a:latin typeface="roboto" panose="02000000000000000000" pitchFamily="2" charset="0"/>
+              </a:rPr>
+              <a:t>Rekursi</a:t>
+            </a:r>
+            <a:r>
+              <a:rPr lang="en-US" b="0" i="0" dirty="0">
+                <a:solidFill>
+                  <a:srgbClr val="333333"/>
+                </a:solidFill>
+                <a:effectLst/>
+                <a:latin typeface="roboto" panose="02000000000000000000" pitchFamily="2" charset="0"/>
+              </a:rPr>
+              <a:t> dan </a:t>
+            </a:r>
+            <a:r>
+              <a:rPr lang="en-US" b="0" i="0" dirty="0" err="1">
+                <a:solidFill>
+                  <a:srgbClr val="333333"/>
+                </a:solidFill>
+                <a:effectLst/>
+                <a:latin typeface="roboto" panose="02000000000000000000" pitchFamily="2" charset="0"/>
+              </a:rPr>
+              <a:t>iterasi</a:t>
+            </a:r>
+            <a:r>
+              <a:rPr lang="en-US" b="0" i="0" dirty="0">
+                <a:solidFill>
+                  <a:srgbClr val="333333"/>
+                </a:solidFill>
+                <a:effectLst/>
+                <a:latin typeface="roboto" panose="02000000000000000000" pitchFamily="2" charset="0"/>
+              </a:rPr>
+              <a:t> </a:t>
+            </a:r>
+            <a:r>
+              <a:rPr lang="en-US" b="0" i="0" dirty="0" err="1">
+                <a:solidFill>
+                  <a:srgbClr val="333333"/>
+                </a:solidFill>
+                <a:effectLst/>
+                <a:latin typeface="roboto" panose="02000000000000000000" pitchFamily="2" charset="0"/>
+              </a:rPr>
+              <a:t>keduanya</a:t>
+            </a:r>
+            <a:r>
+              <a:rPr lang="en-US" b="0" i="0" dirty="0">
+                <a:solidFill>
+                  <a:srgbClr val="333333"/>
+                </a:solidFill>
+                <a:effectLst/>
+                <a:latin typeface="roboto" panose="02000000000000000000" pitchFamily="2" charset="0"/>
+              </a:rPr>
+              <a:t> </a:t>
+            </a:r>
+            <a:r>
+              <a:rPr lang="en-US" b="0" i="0" dirty="0" err="1">
+                <a:solidFill>
+                  <a:srgbClr val="333333"/>
+                </a:solidFill>
+                <a:effectLst/>
+                <a:latin typeface="roboto" panose="02000000000000000000" pitchFamily="2" charset="0"/>
+              </a:rPr>
+              <a:t>berulang</a:t>
+            </a:r>
+            <a:r>
+              <a:rPr lang="en-US" b="0" i="0" dirty="0">
+                <a:solidFill>
+                  <a:srgbClr val="333333"/>
+                </a:solidFill>
+                <a:effectLst/>
+                <a:latin typeface="roboto" panose="02000000000000000000" pitchFamily="2" charset="0"/>
+              </a:rPr>
+              <a:t> kali </a:t>
+            </a:r>
+            <a:r>
+              <a:rPr lang="en-US" b="0" i="0" dirty="0" err="1">
+                <a:solidFill>
+                  <a:srgbClr val="333333"/>
+                </a:solidFill>
+                <a:effectLst/>
+                <a:latin typeface="roboto" panose="02000000000000000000" pitchFamily="2" charset="0"/>
+              </a:rPr>
+              <a:t>mengeksekusi</a:t>
+            </a:r>
+            <a:r>
+              <a:rPr lang="en-US" b="0" i="0" dirty="0">
+                <a:solidFill>
+                  <a:srgbClr val="333333"/>
+                </a:solidFill>
+                <a:effectLst/>
+                <a:latin typeface="roboto" panose="02000000000000000000" pitchFamily="2" charset="0"/>
+              </a:rPr>
+              <a:t> set </a:t>
+            </a:r>
+            <a:r>
+              <a:rPr lang="en-US" b="0" i="0" dirty="0" err="1">
+                <a:solidFill>
+                  <a:srgbClr val="333333"/>
+                </a:solidFill>
+                <a:effectLst/>
+                <a:latin typeface="roboto" panose="02000000000000000000" pitchFamily="2" charset="0"/>
+              </a:rPr>
+              <a:t>instruksi</a:t>
+            </a:r>
+            <a:r>
+              <a:rPr lang="en-US" b="0" i="0" dirty="0">
+                <a:solidFill>
+                  <a:srgbClr val="333333"/>
+                </a:solidFill>
+                <a:effectLst/>
+                <a:latin typeface="roboto" panose="02000000000000000000" pitchFamily="2" charset="0"/>
+              </a:rPr>
+              <a:t>. </a:t>
+            </a:r>
+            <a:r>
+              <a:rPr lang="en-US" b="0" i="0" dirty="0" err="1">
+                <a:solidFill>
+                  <a:srgbClr val="333333"/>
+                </a:solidFill>
+                <a:effectLst/>
+                <a:latin typeface="roboto" panose="02000000000000000000" pitchFamily="2" charset="0"/>
+              </a:rPr>
+              <a:t>Rekursi</a:t>
+            </a:r>
+            <a:r>
+              <a:rPr lang="en-US" b="0" i="0" dirty="0">
+                <a:solidFill>
+                  <a:srgbClr val="333333"/>
+                </a:solidFill>
+                <a:effectLst/>
+                <a:latin typeface="roboto" panose="02000000000000000000" pitchFamily="2" charset="0"/>
+              </a:rPr>
+              <a:t> </a:t>
+            </a:r>
+            <a:r>
+              <a:rPr lang="en-US" b="0" i="0" dirty="0" err="1">
+                <a:solidFill>
+                  <a:srgbClr val="333333"/>
+                </a:solidFill>
+                <a:effectLst/>
+                <a:latin typeface="roboto" panose="02000000000000000000" pitchFamily="2" charset="0"/>
+              </a:rPr>
+              <a:t>adalah</a:t>
+            </a:r>
+            <a:r>
+              <a:rPr lang="en-US" b="0" i="0" dirty="0">
+                <a:solidFill>
+                  <a:srgbClr val="333333"/>
+                </a:solidFill>
+                <a:effectLst/>
+                <a:latin typeface="roboto" panose="02000000000000000000" pitchFamily="2" charset="0"/>
+              </a:rPr>
+              <a:t> </a:t>
+            </a:r>
+            <a:r>
+              <a:rPr lang="en-US" b="0" i="0" dirty="0" err="1">
+                <a:solidFill>
+                  <a:srgbClr val="333333"/>
+                </a:solidFill>
+                <a:effectLst/>
+                <a:latin typeface="roboto" panose="02000000000000000000" pitchFamily="2" charset="0"/>
+              </a:rPr>
+              <a:t>ketika</a:t>
+            </a:r>
+            <a:r>
+              <a:rPr lang="en-US" b="0" i="0" dirty="0">
+                <a:solidFill>
+                  <a:srgbClr val="333333"/>
+                </a:solidFill>
+                <a:effectLst/>
+                <a:latin typeface="roboto" panose="02000000000000000000" pitchFamily="2" charset="0"/>
+              </a:rPr>
+              <a:t> </a:t>
+            </a:r>
+            <a:r>
+              <a:rPr lang="en-US" b="0" i="0" dirty="0" err="1">
+                <a:solidFill>
+                  <a:srgbClr val="333333"/>
+                </a:solidFill>
+                <a:effectLst/>
+                <a:latin typeface="roboto" panose="02000000000000000000" pitchFamily="2" charset="0"/>
+              </a:rPr>
+              <a:t>pernyataan</a:t>
+            </a:r>
+            <a:r>
+              <a:rPr lang="en-US" b="0" i="0" dirty="0">
+                <a:solidFill>
+                  <a:srgbClr val="333333"/>
+                </a:solidFill>
+                <a:effectLst/>
+                <a:latin typeface="roboto" panose="02000000000000000000" pitchFamily="2" charset="0"/>
+              </a:rPr>
+              <a:t> </a:t>
+            </a:r>
+            <a:r>
+              <a:rPr lang="en-US" b="0" i="0" dirty="0" err="1">
+                <a:solidFill>
+                  <a:srgbClr val="333333"/>
+                </a:solidFill>
+                <a:effectLst/>
+                <a:latin typeface="roboto" panose="02000000000000000000" pitchFamily="2" charset="0"/>
+              </a:rPr>
+              <a:t>dalam</a:t>
+            </a:r>
+            <a:r>
+              <a:rPr lang="en-US" b="0" i="0" dirty="0">
+                <a:solidFill>
+                  <a:srgbClr val="333333"/>
+                </a:solidFill>
+                <a:effectLst/>
+                <a:latin typeface="roboto" panose="02000000000000000000" pitchFamily="2" charset="0"/>
+              </a:rPr>
+              <a:t> </a:t>
+            </a:r>
+            <a:r>
+              <a:rPr lang="en-US" b="0" i="0" dirty="0" err="1">
+                <a:solidFill>
+                  <a:srgbClr val="333333"/>
+                </a:solidFill>
+                <a:effectLst/>
+                <a:latin typeface="roboto" panose="02000000000000000000" pitchFamily="2" charset="0"/>
+              </a:rPr>
+              <a:t>suatu</a:t>
+            </a:r>
+            <a:r>
+              <a:rPr lang="en-US" b="0" i="0" dirty="0">
+                <a:solidFill>
+                  <a:srgbClr val="333333"/>
+                </a:solidFill>
+                <a:effectLst/>
+                <a:latin typeface="roboto" panose="02000000000000000000" pitchFamily="2" charset="0"/>
+              </a:rPr>
+              <a:t> </a:t>
+            </a:r>
+            <a:r>
+              <a:rPr lang="en-US" b="0" i="0" dirty="0" err="1">
+                <a:solidFill>
+                  <a:srgbClr val="333333"/>
+                </a:solidFill>
+                <a:effectLst/>
+                <a:latin typeface="roboto" panose="02000000000000000000" pitchFamily="2" charset="0"/>
+              </a:rPr>
+              <a:t>fungsi</a:t>
+            </a:r>
+            <a:r>
+              <a:rPr lang="en-US" b="0" i="0" dirty="0">
+                <a:solidFill>
+                  <a:srgbClr val="333333"/>
+                </a:solidFill>
+                <a:effectLst/>
+                <a:latin typeface="roboto" panose="02000000000000000000" pitchFamily="2" charset="0"/>
+              </a:rPr>
+              <a:t> </a:t>
+            </a:r>
+            <a:r>
+              <a:rPr lang="en-US" b="0" i="0" dirty="0" err="1">
+                <a:solidFill>
+                  <a:srgbClr val="333333"/>
+                </a:solidFill>
+                <a:effectLst/>
+                <a:latin typeface="roboto" panose="02000000000000000000" pitchFamily="2" charset="0"/>
+              </a:rPr>
+              <a:t>memanggil</a:t>
+            </a:r>
+            <a:r>
+              <a:rPr lang="en-US" b="0" i="0" dirty="0">
+                <a:solidFill>
+                  <a:srgbClr val="333333"/>
+                </a:solidFill>
+                <a:effectLst/>
+                <a:latin typeface="roboto" panose="02000000000000000000" pitchFamily="2" charset="0"/>
+              </a:rPr>
+              <a:t> </a:t>
+            </a:r>
+            <a:r>
+              <a:rPr lang="en-US" b="0" i="0" dirty="0" err="1">
+                <a:solidFill>
+                  <a:srgbClr val="333333"/>
+                </a:solidFill>
+                <a:effectLst/>
+                <a:latin typeface="roboto" panose="02000000000000000000" pitchFamily="2" charset="0"/>
+              </a:rPr>
+              <a:t>dirinya</a:t>
+            </a:r>
+            <a:r>
+              <a:rPr lang="en-US" b="0" i="0" dirty="0">
+                <a:solidFill>
+                  <a:srgbClr val="333333"/>
+                </a:solidFill>
+                <a:effectLst/>
+                <a:latin typeface="roboto" panose="02000000000000000000" pitchFamily="2" charset="0"/>
+              </a:rPr>
+              <a:t> </a:t>
+            </a:r>
+            <a:r>
+              <a:rPr lang="en-US" b="0" i="0" dirty="0" err="1">
+                <a:solidFill>
+                  <a:srgbClr val="333333"/>
+                </a:solidFill>
+                <a:effectLst/>
+                <a:latin typeface="roboto" panose="02000000000000000000" pitchFamily="2" charset="0"/>
+              </a:rPr>
+              <a:t>berulang</a:t>
+            </a:r>
+            <a:r>
+              <a:rPr lang="en-US" b="0" i="0" dirty="0">
+                <a:solidFill>
+                  <a:srgbClr val="333333"/>
+                </a:solidFill>
+                <a:effectLst/>
+                <a:latin typeface="roboto" panose="02000000000000000000" pitchFamily="2" charset="0"/>
+              </a:rPr>
+              <a:t> kali. </a:t>
+            </a:r>
+            <a:r>
+              <a:rPr lang="en-US" b="0" i="0" dirty="0" err="1">
+                <a:solidFill>
+                  <a:srgbClr val="333333"/>
+                </a:solidFill>
+                <a:effectLst/>
+                <a:latin typeface="roboto" panose="02000000000000000000" pitchFamily="2" charset="0"/>
+              </a:rPr>
+              <a:t>Iterasi</a:t>
+            </a:r>
+            <a:r>
+              <a:rPr lang="en-US" b="0" i="0" dirty="0">
+                <a:solidFill>
+                  <a:srgbClr val="333333"/>
+                </a:solidFill>
+                <a:effectLst/>
+                <a:latin typeface="roboto" panose="02000000000000000000" pitchFamily="2" charset="0"/>
+              </a:rPr>
+              <a:t> </a:t>
+            </a:r>
+            <a:r>
+              <a:rPr lang="en-US" b="0" i="0" dirty="0" err="1">
+                <a:solidFill>
+                  <a:srgbClr val="333333"/>
+                </a:solidFill>
+                <a:effectLst/>
+                <a:latin typeface="roboto" panose="02000000000000000000" pitchFamily="2" charset="0"/>
+              </a:rPr>
+              <a:t>adalah</a:t>
+            </a:r>
+            <a:r>
+              <a:rPr lang="en-US" b="0" i="0" dirty="0">
+                <a:solidFill>
+                  <a:srgbClr val="333333"/>
+                </a:solidFill>
+                <a:effectLst/>
+                <a:latin typeface="roboto" panose="02000000000000000000" pitchFamily="2" charset="0"/>
+              </a:rPr>
+              <a:t> </a:t>
+            </a:r>
+            <a:r>
+              <a:rPr lang="en-US" b="0" i="0" dirty="0" err="1">
+                <a:solidFill>
+                  <a:srgbClr val="333333"/>
+                </a:solidFill>
+                <a:effectLst/>
+                <a:latin typeface="roboto" panose="02000000000000000000" pitchFamily="2" charset="0"/>
+              </a:rPr>
+              <a:t>ketika</a:t>
+            </a:r>
+            <a:r>
+              <a:rPr lang="en-US" b="0" i="0" dirty="0">
+                <a:solidFill>
+                  <a:srgbClr val="333333"/>
+                </a:solidFill>
+                <a:effectLst/>
+                <a:latin typeface="roboto" panose="02000000000000000000" pitchFamily="2" charset="0"/>
+              </a:rPr>
+              <a:t> loop </a:t>
+            </a:r>
+            <a:r>
+              <a:rPr lang="en-US" b="0" i="0" dirty="0" err="1">
+                <a:solidFill>
+                  <a:srgbClr val="333333"/>
+                </a:solidFill>
+                <a:effectLst/>
+                <a:latin typeface="roboto" panose="02000000000000000000" pitchFamily="2" charset="0"/>
+              </a:rPr>
+              <a:t>berulang</a:t>
+            </a:r>
+            <a:r>
+              <a:rPr lang="en-US" b="0" i="0" dirty="0">
+                <a:solidFill>
+                  <a:srgbClr val="333333"/>
+                </a:solidFill>
+                <a:effectLst/>
+                <a:latin typeface="roboto" panose="02000000000000000000" pitchFamily="2" charset="0"/>
+              </a:rPr>
+              <a:t> kali </a:t>
+            </a:r>
+            <a:r>
+              <a:rPr lang="en-US" b="0" i="0" dirty="0" err="1">
+                <a:solidFill>
+                  <a:srgbClr val="333333"/>
+                </a:solidFill>
+                <a:effectLst/>
+                <a:latin typeface="roboto" panose="02000000000000000000" pitchFamily="2" charset="0"/>
+              </a:rPr>
+              <a:t>dieksekusi</a:t>
+            </a:r>
+            <a:r>
+              <a:rPr lang="en-US" b="0" i="0" dirty="0">
+                <a:solidFill>
+                  <a:srgbClr val="333333"/>
+                </a:solidFill>
+                <a:effectLst/>
+                <a:latin typeface="roboto" panose="02000000000000000000" pitchFamily="2" charset="0"/>
+              </a:rPr>
+              <a:t> </a:t>
+            </a:r>
+            <a:r>
+              <a:rPr lang="en-US" b="0" i="0" dirty="0" err="1">
+                <a:solidFill>
+                  <a:srgbClr val="333333"/>
+                </a:solidFill>
+                <a:effectLst/>
+                <a:latin typeface="roboto" panose="02000000000000000000" pitchFamily="2" charset="0"/>
+              </a:rPr>
+              <a:t>sampai</a:t>
+            </a:r>
+            <a:r>
+              <a:rPr lang="en-US" b="0" i="0" dirty="0">
+                <a:solidFill>
+                  <a:srgbClr val="333333"/>
+                </a:solidFill>
+                <a:effectLst/>
+                <a:latin typeface="roboto" panose="02000000000000000000" pitchFamily="2" charset="0"/>
+              </a:rPr>
+              <a:t> </a:t>
+            </a:r>
+            <a:r>
+              <a:rPr lang="en-US" b="0" i="0" dirty="0" err="1">
+                <a:solidFill>
+                  <a:srgbClr val="333333"/>
+                </a:solidFill>
+                <a:effectLst/>
+                <a:latin typeface="roboto" panose="02000000000000000000" pitchFamily="2" charset="0"/>
+              </a:rPr>
+              <a:t>kondisi</a:t>
+            </a:r>
+            <a:r>
+              <a:rPr lang="en-US" b="0" i="0" dirty="0">
+                <a:solidFill>
+                  <a:srgbClr val="333333"/>
+                </a:solidFill>
+                <a:effectLst/>
+                <a:latin typeface="roboto" panose="02000000000000000000" pitchFamily="2" charset="0"/>
+              </a:rPr>
+              <a:t> </a:t>
+            </a:r>
+            <a:r>
+              <a:rPr lang="en-US" b="0" i="0" dirty="0" err="1">
+                <a:solidFill>
+                  <a:srgbClr val="333333"/>
+                </a:solidFill>
+                <a:effectLst/>
+                <a:latin typeface="roboto" panose="02000000000000000000" pitchFamily="2" charset="0"/>
+              </a:rPr>
+              <a:t>kontrol</a:t>
+            </a:r>
+            <a:r>
+              <a:rPr lang="en-US" b="0" i="0" dirty="0">
+                <a:solidFill>
+                  <a:srgbClr val="333333"/>
+                </a:solidFill>
+                <a:effectLst/>
+                <a:latin typeface="roboto" panose="02000000000000000000" pitchFamily="2" charset="0"/>
+              </a:rPr>
+              <a:t> </a:t>
+            </a:r>
+            <a:r>
+              <a:rPr lang="en-US" b="0" i="0" dirty="0" err="1">
+                <a:solidFill>
+                  <a:srgbClr val="333333"/>
+                </a:solidFill>
+                <a:effectLst/>
+                <a:latin typeface="roboto" panose="02000000000000000000" pitchFamily="2" charset="0"/>
+              </a:rPr>
+              <a:t>menjadi</a:t>
+            </a:r>
+            <a:r>
+              <a:rPr lang="en-US" b="0" i="0" dirty="0">
+                <a:solidFill>
+                  <a:srgbClr val="333333"/>
+                </a:solidFill>
+                <a:effectLst/>
+                <a:latin typeface="roboto" panose="02000000000000000000" pitchFamily="2" charset="0"/>
+              </a:rPr>
+              <a:t> salah. </a:t>
+            </a:r>
+            <a:r>
+              <a:rPr lang="en-US" b="0" i="0" dirty="0" err="1">
+                <a:solidFill>
+                  <a:srgbClr val="333333"/>
+                </a:solidFill>
+                <a:effectLst/>
+                <a:latin typeface="roboto" panose="02000000000000000000" pitchFamily="2" charset="0"/>
+              </a:rPr>
+              <a:t>Perbedaan</a:t>
+            </a:r>
+            <a:r>
+              <a:rPr lang="en-US" b="0" i="0" dirty="0">
+                <a:solidFill>
+                  <a:srgbClr val="333333"/>
+                </a:solidFill>
+                <a:effectLst/>
+                <a:latin typeface="roboto" panose="02000000000000000000" pitchFamily="2" charset="0"/>
+              </a:rPr>
+              <a:t> </a:t>
+            </a:r>
+            <a:r>
+              <a:rPr lang="en-US" b="0" i="0" dirty="0" err="1">
+                <a:solidFill>
+                  <a:srgbClr val="333333"/>
+                </a:solidFill>
+                <a:effectLst/>
+                <a:latin typeface="roboto" panose="02000000000000000000" pitchFamily="2" charset="0"/>
+              </a:rPr>
+              <a:t>utama</a:t>
+            </a:r>
+            <a:r>
+              <a:rPr lang="en-US" b="0" i="0" dirty="0">
+                <a:solidFill>
+                  <a:srgbClr val="333333"/>
+                </a:solidFill>
+                <a:effectLst/>
+                <a:latin typeface="roboto" panose="02000000000000000000" pitchFamily="2" charset="0"/>
+              </a:rPr>
+              <a:t> </a:t>
+            </a:r>
+            <a:r>
+              <a:rPr lang="en-US" b="0" i="0" dirty="0" err="1">
+                <a:solidFill>
+                  <a:srgbClr val="333333"/>
+                </a:solidFill>
+                <a:effectLst/>
+                <a:latin typeface="roboto" panose="02000000000000000000" pitchFamily="2" charset="0"/>
+              </a:rPr>
+              <a:t>antara</a:t>
+            </a:r>
+            <a:r>
+              <a:rPr lang="en-US" b="0" i="0" dirty="0">
+                <a:solidFill>
+                  <a:srgbClr val="333333"/>
+                </a:solidFill>
+                <a:effectLst/>
+                <a:latin typeface="roboto" panose="02000000000000000000" pitchFamily="2" charset="0"/>
+              </a:rPr>
+              <a:t> </a:t>
+            </a:r>
+            <a:r>
+              <a:rPr lang="en-US" b="0" i="0" dirty="0" err="1">
+                <a:solidFill>
+                  <a:srgbClr val="333333"/>
+                </a:solidFill>
+                <a:effectLst/>
+                <a:latin typeface="roboto" panose="02000000000000000000" pitchFamily="2" charset="0"/>
+              </a:rPr>
+              <a:t>rekursi</a:t>
+            </a:r>
+            <a:r>
+              <a:rPr lang="en-US" b="0" i="0" dirty="0">
+                <a:solidFill>
+                  <a:srgbClr val="333333"/>
+                </a:solidFill>
+                <a:effectLst/>
+                <a:latin typeface="roboto" panose="02000000000000000000" pitchFamily="2" charset="0"/>
+              </a:rPr>
+              <a:t> dan </a:t>
+            </a:r>
+            <a:r>
+              <a:rPr lang="en-US" b="0" i="0" dirty="0" err="1">
+                <a:solidFill>
+                  <a:srgbClr val="333333"/>
+                </a:solidFill>
+                <a:effectLst/>
+                <a:latin typeface="roboto" panose="02000000000000000000" pitchFamily="2" charset="0"/>
+              </a:rPr>
+              <a:t>iterasi</a:t>
+            </a:r>
+            <a:r>
+              <a:rPr lang="en-US" b="0" i="0" dirty="0">
+                <a:solidFill>
+                  <a:srgbClr val="333333"/>
+                </a:solidFill>
+                <a:effectLst/>
+                <a:latin typeface="roboto" panose="02000000000000000000" pitchFamily="2" charset="0"/>
+              </a:rPr>
+              <a:t> </a:t>
+            </a:r>
+            <a:r>
+              <a:rPr lang="en-US" b="0" i="0" dirty="0" err="1">
+                <a:solidFill>
+                  <a:srgbClr val="333333"/>
+                </a:solidFill>
+                <a:effectLst/>
+                <a:latin typeface="roboto" panose="02000000000000000000" pitchFamily="2" charset="0"/>
+              </a:rPr>
+              <a:t>adalah</a:t>
+            </a:r>
+            <a:r>
+              <a:rPr lang="en-US" b="0" i="0" dirty="0">
+                <a:solidFill>
+                  <a:srgbClr val="333333"/>
+                </a:solidFill>
+                <a:effectLst/>
+                <a:latin typeface="roboto" panose="02000000000000000000" pitchFamily="2" charset="0"/>
+              </a:rPr>
+              <a:t> </a:t>
+            </a:r>
+            <a:r>
+              <a:rPr lang="en-US" b="0" i="0" dirty="0" err="1">
+                <a:solidFill>
+                  <a:srgbClr val="333333"/>
+                </a:solidFill>
+                <a:effectLst/>
+                <a:latin typeface="roboto" panose="02000000000000000000" pitchFamily="2" charset="0"/>
+              </a:rPr>
+              <a:t>bahwa</a:t>
+            </a:r>
+            <a:r>
+              <a:rPr lang="en-US" b="0" i="0" dirty="0">
+                <a:solidFill>
+                  <a:srgbClr val="333333"/>
+                </a:solidFill>
+                <a:effectLst/>
+                <a:latin typeface="roboto" panose="02000000000000000000" pitchFamily="2" charset="0"/>
+              </a:rPr>
+              <a:t> </a:t>
+            </a:r>
+            <a:r>
+              <a:rPr lang="en-US" b="1" i="0" dirty="0" err="1">
+                <a:solidFill>
+                  <a:srgbClr val="333333"/>
+                </a:solidFill>
+                <a:effectLst/>
+                <a:latin typeface="roboto" panose="02000000000000000000" pitchFamily="2" charset="0"/>
+              </a:rPr>
+              <a:t>rekursi</a:t>
+            </a:r>
+            <a:r>
+              <a:rPr lang="en-US" b="0" i="0" dirty="0">
+                <a:solidFill>
+                  <a:srgbClr val="333333"/>
+                </a:solidFill>
+                <a:effectLst/>
+                <a:latin typeface="roboto" panose="02000000000000000000" pitchFamily="2" charset="0"/>
+              </a:rPr>
+              <a:t> </a:t>
+            </a:r>
+            <a:r>
+              <a:rPr lang="en-US" b="0" i="0" dirty="0" err="1">
+                <a:solidFill>
+                  <a:srgbClr val="333333"/>
+                </a:solidFill>
+                <a:effectLst/>
+                <a:latin typeface="roboto" panose="02000000000000000000" pitchFamily="2" charset="0"/>
+              </a:rPr>
+              <a:t>adalah</a:t>
+            </a:r>
+            <a:r>
+              <a:rPr lang="en-US" b="0" i="0" dirty="0">
+                <a:solidFill>
+                  <a:srgbClr val="333333"/>
+                </a:solidFill>
+                <a:effectLst/>
+                <a:latin typeface="roboto" panose="02000000000000000000" pitchFamily="2" charset="0"/>
+              </a:rPr>
+              <a:t> </a:t>
+            </a:r>
+            <a:r>
+              <a:rPr lang="en-US" b="0" i="0" dirty="0" err="1">
+                <a:solidFill>
+                  <a:srgbClr val="333333"/>
+                </a:solidFill>
+                <a:effectLst/>
+                <a:latin typeface="roboto" panose="02000000000000000000" pitchFamily="2" charset="0"/>
+              </a:rPr>
+              <a:t>suatu</a:t>
+            </a:r>
+            <a:r>
+              <a:rPr lang="en-US" b="0" i="0" dirty="0">
+                <a:solidFill>
+                  <a:srgbClr val="333333"/>
+                </a:solidFill>
+                <a:effectLst/>
+                <a:latin typeface="roboto" panose="02000000000000000000" pitchFamily="2" charset="0"/>
+              </a:rPr>
+              <a:t> proses, </a:t>
+            </a:r>
+            <a:r>
+              <a:rPr lang="en-US" b="0" i="0" dirty="0" err="1">
+                <a:solidFill>
+                  <a:srgbClr val="333333"/>
+                </a:solidFill>
+                <a:effectLst/>
+                <a:latin typeface="roboto" panose="02000000000000000000" pitchFamily="2" charset="0"/>
+              </a:rPr>
+              <a:t>selalu</a:t>
+            </a:r>
+            <a:r>
+              <a:rPr lang="en-US" b="0" i="0" dirty="0">
+                <a:solidFill>
+                  <a:srgbClr val="333333"/>
+                </a:solidFill>
+                <a:effectLst/>
+                <a:latin typeface="roboto" panose="02000000000000000000" pitchFamily="2" charset="0"/>
+              </a:rPr>
+              <a:t> </a:t>
+            </a:r>
+            <a:r>
+              <a:rPr lang="en-US" b="0" i="0" dirty="0" err="1">
+                <a:solidFill>
+                  <a:srgbClr val="333333"/>
+                </a:solidFill>
+                <a:effectLst/>
+                <a:latin typeface="roboto" panose="02000000000000000000" pitchFamily="2" charset="0"/>
+              </a:rPr>
+              <a:t>diterapkan</a:t>
+            </a:r>
+            <a:r>
+              <a:rPr lang="en-US" b="0" i="0" dirty="0">
+                <a:solidFill>
+                  <a:srgbClr val="333333"/>
+                </a:solidFill>
+                <a:effectLst/>
+                <a:latin typeface="roboto" panose="02000000000000000000" pitchFamily="2" charset="0"/>
+              </a:rPr>
+              <a:t> pada </a:t>
+            </a:r>
+            <a:r>
+              <a:rPr lang="en-US" b="0" i="0" dirty="0" err="1">
+                <a:solidFill>
+                  <a:srgbClr val="333333"/>
+                </a:solidFill>
+                <a:effectLst/>
+                <a:latin typeface="roboto" panose="02000000000000000000" pitchFamily="2" charset="0"/>
+              </a:rPr>
+              <a:t>suatu</a:t>
+            </a:r>
+            <a:r>
+              <a:rPr lang="en-US" b="0" i="0" dirty="0">
+                <a:solidFill>
+                  <a:srgbClr val="333333"/>
+                </a:solidFill>
+                <a:effectLst/>
+                <a:latin typeface="roboto" panose="02000000000000000000" pitchFamily="2" charset="0"/>
+              </a:rPr>
+              <a:t> </a:t>
+            </a:r>
+            <a:r>
+              <a:rPr lang="en-US" b="0" i="0" dirty="0" err="1">
+                <a:solidFill>
+                  <a:srgbClr val="333333"/>
+                </a:solidFill>
+                <a:effectLst/>
+                <a:latin typeface="roboto" panose="02000000000000000000" pitchFamily="2" charset="0"/>
+              </a:rPr>
+              <a:t>fungsi</a:t>
+            </a:r>
+            <a:r>
+              <a:rPr lang="en-US" b="0" i="0" dirty="0">
+                <a:solidFill>
+                  <a:srgbClr val="333333"/>
+                </a:solidFill>
+                <a:effectLst/>
+                <a:latin typeface="roboto" panose="02000000000000000000" pitchFamily="2" charset="0"/>
+              </a:rPr>
+              <a:t>. </a:t>
+            </a:r>
+            <a:r>
+              <a:rPr lang="en-US" b="1" i="0" dirty="0" err="1">
+                <a:solidFill>
+                  <a:srgbClr val="333333"/>
+                </a:solidFill>
+                <a:effectLst/>
+                <a:latin typeface="roboto" panose="02000000000000000000" pitchFamily="2" charset="0"/>
+              </a:rPr>
+              <a:t>Iterasi</a:t>
+            </a:r>
+            <a:r>
+              <a:rPr lang="en-US" b="0" i="0" dirty="0">
+                <a:solidFill>
+                  <a:srgbClr val="333333"/>
+                </a:solidFill>
+                <a:effectLst/>
+                <a:latin typeface="roboto" panose="02000000000000000000" pitchFamily="2" charset="0"/>
+              </a:rPr>
+              <a:t> </a:t>
+            </a:r>
+            <a:r>
+              <a:rPr lang="en-US" b="0" i="0" dirty="0" err="1">
+                <a:solidFill>
+                  <a:srgbClr val="333333"/>
+                </a:solidFill>
+                <a:effectLst/>
+                <a:latin typeface="roboto" panose="02000000000000000000" pitchFamily="2" charset="0"/>
+              </a:rPr>
+              <a:t>ini</a:t>
+            </a:r>
+            <a:r>
+              <a:rPr lang="en-US" b="0" i="0" dirty="0">
+                <a:solidFill>
+                  <a:srgbClr val="333333"/>
+                </a:solidFill>
+                <a:effectLst/>
+                <a:latin typeface="roboto" panose="02000000000000000000" pitchFamily="2" charset="0"/>
+              </a:rPr>
+              <a:t> </a:t>
+            </a:r>
+            <a:r>
+              <a:rPr lang="en-US" b="0" i="0" dirty="0" err="1">
+                <a:solidFill>
+                  <a:srgbClr val="333333"/>
+                </a:solidFill>
+                <a:effectLst/>
+                <a:latin typeface="roboto" panose="02000000000000000000" pitchFamily="2" charset="0"/>
+              </a:rPr>
+              <a:t>diterapkan</a:t>
+            </a:r>
+            <a:r>
+              <a:rPr lang="en-US" b="0" i="0" dirty="0">
+                <a:solidFill>
+                  <a:srgbClr val="333333"/>
+                </a:solidFill>
+                <a:effectLst/>
+                <a:latin typeface="roboto" panose="02000000000000000000" pitchFamily="2" charset="0"/>
+              </a:rPr>
+              <a:t> pada set </a:t>
+            </a:r>
+            <a:r>
+              <a:rPr lang="en-US" b="0" i="0" dirty="0" err="1">
+                <a:solidFill>
+                  <a:srgbClr val="333333"/>
+                </a:solidFill>
+                <a:effectLst/>
+                <a:latin typeface="roboto" panose="02000000000000000000" pitchFamily="2" charset="0"/>
+              </a:rPr>
+              <a:t>instruksi</a:t>
+            </a:r>
+            <a:r>
+              <a:rPr lang="en-US" b="0" i="0" dirty="0">
+                <a:solidFill>
+                  <a:srgbClr val="333333"/>
+                </a:solidFill>
+                <a:effectLst/>
+                <a:latin typeface="roboto" panose="02000000000000000000" pitchFamily="2" charset="0"/>
+              </a:rPr>
+              <a:t> yang </a:t>
+            </a:r>
+            <a:r>
+              <a:rPr lang="en-US" b="0" i="0" dirty="0" err="1">
+                <a:solidFill>
+                  <a:srgbClr val="333333"/>
+                </a:solidFill>
+                <a:effectLst/>
+                <a:latin typeface="roboto" panose="02000000000000000000" pitchFamily="2" charset="0"/>
+              </a:rPr>
+              <a:t>ingin</a:t>
+            </a:r>
+            <a:r>
+              <a:rPr lang="en-US" b="0" i="0" dirty="0">
+                <a:solidFill>
+                  <a:srgbClr val="333333"/>
+                </a:solidFill>
+                <a:effectLst/>
+                <a:latin typeface="roboto" panose="02000000000000000000" pitchFamily="2" charset="0"/>
+              </a:rPr>
+              <a:t> </a:t>
+            </a:r>
+            <a:r>
+              <a:rPr lang="en-US" b="0" i="0" dirty="0" err="1">
+                <a:solidFill>
+                  <a:srgbClr val="333333"/>
+                </a:solidFill>
+                <a:effectLst/>
+                <a:latin typeface="roboto" panose="02000000000000000000" pitchFamily="2" charset="0"/>
+              </a:rPr>
+              <a:t>kita</a:t>
+            </a:r>
+            <a:r>
+              <a:rPr lang="en-US" b="0" i="0" dirty="0">
+                <a:solidFill>
+                  <a:srgbClr val="333333"/>
+                </a:solidFill>
+                <a:effectLst/>
+                <a:latin typeface="roboto" panose="02000000000000000000" pitchFamily="2" charset="0"/>
+              </a:rPr>
+              <a:t> </a:t>
+            </a:r>
+            <a:r>
+              <a:rPr lang="en-US" b="0" i="0" dirty="0" err="1">
+                <a:solidFill>
+                  <a:srgbClr val="333333"/>
+                </a:solidFill>
+                <a:effectLst/>
+                <a:latin typeface="roboto" panose="02000000000000000000" pitchFamily="2" charset="0"/>
+              </a:rPr>
+              <a:t>eksekusi</a:t>
+            </a:r>
+            <a:r>
+              <a:rPr lang="en-US" b="0" i="0" dirty="0">
+                <a:solidFill>
+                  <a:srgbClr val="333333"/>
+                </a:solidFill>
+                <a:effectLst/>
+                <a:latin typeface="roboto" panose="02000000000000000000" pitchFamily="2" charset="0"/>
+              </a:rPr>
+              <a:t> </a:t>
+            </a:r>
+            <a:r>
+              <a:rPr lang="en-US" b="0" i="0" dirty="0" err="1">
+                <a:solidFill>
+                  <a:srgbClr val="333333"/>
+                </a:solidFill>
+                <a:effectLst/>
+                <a:latin typeface="roboto" panose="02000000000000000000" pitchFamily="2" charset="0"/>
+              </a:rPr>
+              <a:t>berulang</a:t>
+            </a:r>
+            <a:r>
+              <a:rPr lang="en-US" b="0" i="0" dirty="0">
+                <a:solidFill>
+                  <a:srgbClr val="333333"/>
+                </a:solidFill>
+                <a:effectLst/>
+                <a:latin typeface="roboto" panose="02000000000000000000" pitchFamily="2" charset="0"/>
+              </a:rPr>
+              <a:t> kali.</a:t>
+            </a:r>
+            <a:endParaRPr lang="en-US" dirty="0"/>
+          </a:p>
+        </p:txBody>
+      </p:sp>
+    </p:spTree>
+    <p:extLst>
+      <p:ext uri="{BB962C8B-B14F-4D97-AF65-F5344CB8AC3E}">
+        <p14:creationId xmlns:p14="http://schemas.microsoft.com/office/powerpoint/2010/main" val="3843625442"/>
+      </p:ext>
+    </p:extLst>
+  </p:cSld>
+  <p:clrMapOvr>
+    <a:masterClrMapping/>
+  </p:clrMapOvr>
+</p:sld>
+</file>
+
+<file path=ppt/slides/slide3.xml><?xml version="1.0" encoding="utf-8"?>
+<p:sld xmlns:a="http://schemas.openxmlformats.org/drawingml/2006/main" xmlns:r="http://schemas.openxmlformats.org/officeDocument/2006/relationships" xmlns:p="http://schemas.openxmlformats.org/presentationml/2006/main">
+  <p:cSld>
+    <p:spTree>
+      <p:nvGrpSpPr>
+        <p:cNvPr id="1" name=""/>
+        <p:cNvGrpSpPr/>
+        <p:nvPr/>
+      </p:nvGrpSpPr>
+      <p:grpSpPr>
+        <a:xfrm>
+          <a:off x="0" y="0"/>
+          <a:ext cx="0" cy="0"/>
+          <a:chOff x="0" y="0"/>
+          <a:chExt cx="0" cy="0"/>
+        </a:xfrm>
+      </p:grpSpPr>
+      <p:sp>
+        <p:nvSpPr>
+          <p:cNvPr id="2" name="Title 1">
+            <a:extLst>
+              <a:ext uri="{FF2B5EF4-FFF2-40B4-BE49-F238E27FC236}">
                 <a16:creationId xmlns:a16="http://schemas.microsoft.com/office/drawing/2014/main" id="{26E4545D-DE08-476D-AC8F-E26B720FBC4B}"/>
               </a:ext>
             </a:extLst>
@@ -3332,7 +4365,7 @@
             </a:r>
             <a:r>
               <a:rPr lang="en-US" dirty="0" err="1"/>
-              <a:t>BIASA</a:t>
+              <a:t>ITERASI</a:t>
             </a:r>
             <a:endParaRPr lang="en-US" dirty="0"/>
           </a:p>
@@ -3406,7 +4439,7 @@
 </p:sld>
 </file>
 
-<file path=ppt/slides/slide3.xml><?xml version="1.0" encoding="utf-8"?>
+<file path=ppt/slides/slide4.xml><?xml version="1.0" encoding="utf-8"?>
 <p:sld xmlns:a="http://schemas.openxmlformats.org/drawingml/2006/main" xmlns:r="http://schemas.openxmlformats.org/officeDocument/2006/relationships" xmlns:p="http://schemas.openxmlformats.org/presentationml/2006/main">
   <p:cSld>
     <p:spTree>
